--- a/Presentation/Final Presentation.pptx
+++ b/Presentation/Final Presentation.pptx
@@ -23,16 +23,16 @@
   <p:notesSz cx="6858000" cy="9144000"/>
   <p:embeddedFontLst>
     <p:embeddedFont>
-      <p:font typeface="Open Sans Light" panose="020B0604020202020204" charset="0"/>
+      <p:font typeface="Calibri" panose="020F0502020204030204" pitchFamily="34" charset="0"/>
       <p:regular r:id="rId13"/>
-      <p:italic r:id="rId14"/>
+      <p:bold r:id="rId14"/>
+      <p:italic r:id="rId15"/>
+      <p:boldItalic r:id="rId16"/>
     </p:embeddedFont>
     <p:embeddedFont>
-      <p:font typeface="Calibri" panose="020F0502020204030204" pitchFamily="34" charset="0"/>
-      <p:regular r:id="rId15"/>
-      <p:bold r:id="rId16"/>
-      <p:italic r:id="rId17"/>
-      <p:boldItalic r:id="rId18"/>
+      <p:font typeface="Open Sans Light" panose="020B0604020202020204" charset="0"/>
+      <p:regular r:id="rId17"/>
+      <p:italic r:id="rId18"/>
     </p:embeddedFont>
   </p:embeddedFontLst>
   <p:defaultTextStyle>
@@ -4641,7 +4641,6 @@
               <a:rPr lang="en-US" sz="4000" dirty="0" smtClean="0"/>
               <a:t>Alerts </a:t>
             </a:r>
-            <a:endParaRPr lang="en-US" sz="4000" dirty="0" smtClean="0"/>
           </a:p>
           <a:p>
             <a:endParaRPr lang="en-US" dirty="0" smtClean="0"/>
@@ -5088,11 +5087,7 @@
           <a:p>
             <a:r>
               <a:rPr lang="en-US" sz="2800" dirty="0" smtClean="0"/>
-              <a:t>Environmental </a:t>
-            </a:r>
-            <a:r>
-              <a:rPr lang="en-US" sz="2800" dirty="0" smtClean="0"/>
-              <a:t>awareness</a:t>
+              <a:t>Environmental awareness</a:t>
             </a:r>
           </a:p>
           <a:p>
@@ -5100,7 +5095,6 @@
               <a:rPr lang="en-US" sz="2800" dirty="0" smtClean="0"/>
               <a:t>Kickstarter</a:t>
             </a:r>
-            <a:endParaRPr lang="en-US" sz="2800" dirty="0" smtClean="0"/>
           </a:p>
           <a:p>
             <a:r>
@@ -5169,7 +5163,6 @@
               <a:rPr lang="en-US" sz="2800" dirty="0" smtClean="0"/>
               <a:t>Health Concerns</a:t>
             </a:r>
-            <a:endParaRPr lang="en-US" sz="2800" dirty="0" smtClean="0"/>
           </a:p>
           <a:p>
             <a:r>
@@ -5356,7 +5349,6 @@
               <a:rPr lang="en-US" sz="4400" dirty="0" smtClean="0"/>
               <a:t>Website</a:t>
             </a:r>
-            <a:endParaRPr lang="en-US" sz="4400" dirty="0" smtClean="0"/>
           </a:p>
           <a:p>
             <a:r>
@@ -5369,7 +5361,6 @@
               <a:rPr lang="en-US" sz="4400" dirty="0" smtClean="0"/>
               <a:t>Questionnaire</a:t>
             </a:r>
-            <a:endParaRPr lang="en-US" sz="4400" dirty="0" smtClean="0"/>
           </a:p>
           <a:p>
             <a:pPr lvl="1"/>
@@ -5684,22 +5675,13 @@
           <a:p>
             <a:r>
               <a:rPr lang="en-US" sz="4800" dirty="0" smtClean="0"/>
-              <a:t>Add-on solution instead of full </a:t>
-            </a:r>
+              <a:t>Add-on solution instead of full faucet</a:t>
+            </a:r>
+          </a:p>
+          <a:p>
             <a:r>
               <a:rPr lang="en-US" sz="4800" dirty="0" smtClean="0"/>
-              <a:t>faucet</a:t>
-            </a:r>
-            <a:endParaRPr lang="en-US" sz="4800" dirty="0" smtClean="0"/>
-          </a:p>
-          <a:p>
-            <a:r>
-              <a:rPr lang="en-US" sz="4800" dirty="0" smtClean="0"/>
-              <a:t>Confidence in city </a:t>
-            </a:r>
-            <a:r>
-              <a:rPr lang="en-US" sz="4800" dirty="0" smtClean="0"/>
-              <a:t>water</a:t>
+              <a:t>Confidence in city water</a:t>
             </a:r>
           </a:p>
           <a:p>
@@ -5707,7 +5689,6 @@
               <a:rPr lang="en-US" sz="4800" dirty="0" smtClean="0"/>
               <a:t>Cheap</a:t>
             </a:r>
-            <a:endParaRPr lang="en-US" sz="4800" dirty="0" smtClean="0"/>
           </a:p>
           <a:p>
             <a:endParaRPr lang="en-US" dirty="0" smtClean="0"/>
@@ -5815,13 +5796,7 @@
               <a:rPr lang="en-US" sz="6000" dirty="0" smtClean="0">
                 <a:latin typeface="+mn-lt"/>
               </a:rPr>
-              <a:t>Application of </a:t>
-            </a:r>
-            <a:r>
-              <a:rPr lang="en-US" sz="6000" dirty="0" smtClean="0">
-                <a:latin typeface="+mn-lt"/>
-              </a:rPr>
-              <a:t>Analysis</a:t>
+              <a:t>Application of Analysis</a:t>
             </a:r>
             <a:endParaRPr lang="en-US" sz="6000" dirty="0">
               <a:latin typeface="+mn-lt"/>
@@ -5849,23 +5824,19 @@
               <a:t>Aperio</a:t>
             </a:r>
             <a:r>
+              <a:rPr lang="en-US" smtClean="0"/>
+              <a:t> </a:t>
+            </a:r>
+            <a:r>
+              <a:rPr lang="en-US" smtClean="0"/>
+              <a:t>Micro</a:t>
+            </a:r>
+            <a:endParaRPr lang="en-US" dirty="0" smtClean="0"/>
+          </a:p>
+          <a:p>
+            <a:r>
               <a:rPr lang="en-US" dirty="0" smtClean="0"/>
-              <a:t> Micro add-on</a:t>
-            </a:r>
-            <a:endParaRPr lang="en-US" dirty="0" smtClean="0"/>
-          </a:p>
-          <a:p>
-            <a:r>
-              <a:rPr lang="en-US" dirty="0" smtClean="0"/>
-              <a:t>Sensor </a:t>
-            </a:r>
-            <a:r>
-              <a:rPr lang="en-US" dirty="0" smtClean="0"/>
-              <a:t>Priority </a:t>
-            </a:r>
-            <a:r>
-              <a:rPr lang="en-US" dirty="0" smtClean="0"/>
-              <a:t>List</a:t>
+              <a:t>Sensor Priority List</a:t>
             </a:r>
           </a:p>
           <a:p>
@@ -5885,7 +5856,6 @@
               <a:rPr lang="en-US" dirty="0" smtClean="0"/>
               <a:t>Continue the project</a:t>
             </a:r>
-            <a:endParaRPr lang="en-US" dirty="0" smtClean="0"/>
           </a:p>
           <a:p>
             <a:endParaRPr lang="en-US" dirty="0" smtClean="0"/>
